--- a/Projekt prezi ENG.pptx
+++ b/Projekt prezi ENG.pptx
@@ -472,7 +472,7 @@
             <a:fld id="{B61BEF0D-F0BB-DE4B-95CE-6DB70DBA9567}" type="datetimeFigureOut">
               <a:rPr lang="en-US" dirty="0"/>
               <a:pPr/>
-              <a:t>4/1/2025</a:t>
+              <a:t>4/8/2025</a:t>
             </a:fld>
             <a:endParaRPr lang="en-US" dirty="0"/>
           </a:p>
@@ -793,7 +793,7 @@
             <a:fld id="{B61BEF0D-F0BB-DE4B-95CE-6DB70DBA9567}" type="datetimeFigureOut">
               <a:rPr lang="en-US" dirty="0"/>
               <a:pPr/>
-              <a:t>4/1/2025</a:t>
+              <a:t>4/8/2025</a:t>
             </a:fld>
             <a:endParaRPr lang="en-US" dirty="0"/>
           </a:p>
@@ -1038,7 +1038,7 @@
             <a:fld id="{B61BEF0D-F0BB-DE4B-95CE-6DB70DBA9567}" type="datetimeFigureOut">
               <a:rPr lang="en-US" dirty="0"/>
               <a:pPr/>
-              <a:t>4/1/2025</a:t>
+              <a:t>4/8/2025</a:t>
             </a:fld>
             <a:endParaRPr lang="en-US" dirty="0"/>
           </a:p>
@@ -1374,7 +1374,7 @@
             <a:fld id="{B61BEF0D-F0BB-DE4B-95CE-6DB70DBA9567}" type="datetimeFigureOut">
               <a:rPr lang="en-US" dirty="0"/>
               <a:pPr/>
-              <a:t>4/1/2025</a:t>
+              <a:t>4/8/2025</a:t>
             </a:fld>
             <a:endParaRPr lang="en-US" dirty="0"/>
           </a:p>
@@ -1718,7 +1718,7 @@
             <a:fld id="{B61BEF0D-F0BB-DE4B-95CE-6DB70DBA9567}" type="datetimeFigureOut">
               <a:rPr lang="en-US" dirty="0"/>
               <a:pPr/>
-              <a:t>4/1/2025</a:t>
+              <a:t>4/8/2025</a:t>
             </a:fld>
             <a:endParaRPr lang="en-US" dirty="0"/>
           </a:p>
@@ -2089,7 +2089,7 @@
             <a:fld id="{B61BEF0D-F0BB-DE4B-95CE-6DB70DBA9567}" type="datetimeFigureOut">
               <a:rPr lang="en-US" dirty="0"/>
               <a:pPr/>
-              <a:t>4/1/2025</a:t>
+              <a:t>4/8/2025</a:t>
             </a:fld>
             <a:endParaRPr lang="en-US" dirty="0"/>
           </a:p>
@@ -2556,7 +2556,7 @@
             <a:fld id="{B61BEF0D-F0BB-DE4B-95CE-6DB70DBA9567}" type="datetimeFigureOut">
               <a:rPr lang="en-US" dirty="0"/>
               <a:pPr/>
-              <a:t>4/1/2025</a:t>
+              <a:t>4/8/2025</a:t>
             </a:fld>
             <a:endParaRPr lang="en-US" dirty="0"/>
           </a:p>
@@ -2758,7 +2758,7 @@
             <a:fld id="{B61BEF0D-F0BB-DE4B-95CE-6DB70DBA9567}" type="datetimeFigureOut">
               <a:rPr lang="en-US" dirty="0"/>
               <a:pPr/>
-              <a:t>4/1/2025</a:t>
+              <a:t>4/8/2025</a:t>
             </a:fld>
             <a:endParaRPr lang="en-US" dirty="0"/>
           </a:p>
@@ -2966,7 +2966,7 @@
             <a:fld id="{B61BEF0D-F0BB-DE4B-95CE-6DB70DBA9567}" type="datetimeFigureOut">
               <a:rPr lang="en-US" dirty="0"/>
               <a:pPr/>
-              <a:t>4/1/2025</a:t>
+              <a:t>4/8/2025</a:t>
             </a:fld>
             <a:endParaRPr lang="en-US" dirty="0"/>
           </a:p>
@@ -3194,7 +3194,7 @@
           <a:p>
             <a:fld id="{05BFA754-D5C3-4E66-96A6-867B257F58DC}" type="datetimeFigureOut">
               <a:rPr lang="en-US" dirty="0"/>
-              <a:t>4/1/2025</a:t>
+              <a:t>4/8/2025</a:t>
             </a:fld>
             <a:endParaRPr lang="en-US" dirty="0"/>
           </a:p>
@@ -3438,7 +3438,7 @@
             <a:fld id="{B61BEF0D-F0BB-DE4B-95CE-6DB70DBA9567}" type="datetimeFigureOut">
               <a:rPr lang="en-US" dirty="0"/>
               <a:pPr/>
-              <a:t>4/1/2025</a:t>
+              <a:t>4/8/2025</a:t>
             </a:fld>
             <a:endParaRPr lang="en-US" dirty="0"/>
           </a:p>
@@ -3701,7 +3701,7 @@
           <a:p>
             <a:fld id="{05BFA754-D5C3-4E66-96A6-867B257F58DC}" type="datetimeFigureOut">
               <a:rPr lang="en-US" dirty="0"/>
-              <a:t>4/1/2025</a:t>
+              <a:t>4/8/2025</a:t>
             </a:fld>
             <a:endParaRPr lang="en-US" dirty="0"/>
           </a:p>
@@ -4110,7 +4110,7 @@
             <a:fld id="{B61BEF0D-F0BB-DE4B-95CE-6DB70DBA9567}" type="datetimeFigureOut">
               <a:rPr lang="en-US" dirty="0"/>
               <a:pPr/>
-              <a:t>4/1/2025</a:t>
+              <a:t>4/8/2025</a:t>
             </a:fld>
             <a:endParaRPr lang="en-US" dirty="0"/>
           </a:p>
@@ -4256,7 +4256,7 @@
             <a:fld id="{B61BEF0D-F0BB-DE4B-95CE-6DB70DBA9567}" type="datetimeFigureOut">
               <a:rPr lang="en-US" dirty="0"/>
               <a:pPr/>
-              <a:t>4/1/2025</a:t>
+              <a:t>4/8/2025</a:t>
             </a:fld>
             <a:endParaRPr lang="en-US" dirty="0"/>
           </a:p>
@@ -4379,7 +4379,7 @@
             <a:fld id="{B61BEF0D-F0BB-DE4B-95CE-6DB70DBA9567}" type="datetimeFigureOut">
               <a:rPr lang="en-US" dirty="0"/>
               <a:pPr/>
-              <a:t>4/1/2025</a:t>
+              <a:t>4/8/2025</a:t>
             </a:fld>
             <a:endParaRPr lang="en-US" dirty="0"/>
           </a:p>
@@ -4631,7 +4631,7 @@
             <a:fld id="{B61BEF0D-F0BB-DE4B-95CE-6DB70DBA9567}" type="datetimeFigureOut">
               <a:rPr lang="en-US" dirty="0"/>
               <a:pPr/>
-              <a:t>4/1/2025</a:t>
+              <a:t>4/8/2025</a:t>
             </a:fld>
             <a:endParaRPr lang="en-US" dirty="0"/>
           </a:p>
@@ -4943,7 +4943,7 @@
             <a:fld id="{B61BEF0D-F0BB-DE4B-95CE-6DB70DBA9567}" type="datetimeFigureOut">
               <a:rPr lang="en-US" dirty="0"/>
               <a:pPr/>
-              <a:t>4/1/2025</a:t>
+              <a:t>4/8/2025</a:t>
             </a:fld>
             <a:endParaRPr lang="en-US" dirty="0"/>
           </a:p>
@@ -5291,7 +5291,7 @@
             <a:fld id="{B61BEF0D-F0BB-DE4B-95CE-6DB70DBA9567}" type="datetimeFigureOut">
               <a:rPr lang="en-US" dirty="0"/>
               <a:pPr/>
-              <a:t>4/1/2025</a:t>
+              <a:t>4/8/2025</a:t>
             </a:fld>
             <a:endParaRPr lang="en-US" dirty="0"/>
           </a:p>
@@ -8944,8 +8944,13 @@
           <a:p>
             <a:r>
               <a:rPr lang="hu-HU" dirty="0"/>
-              <a:t>Képernyő rajz, szín felismeréssel</a:t>
-            </a:r>
+              <a:t>Display </a:t>
+            </a:r>
+            <a:r>
+              <a:rPr lang="hu-HU" dirty="0" err="1"/>
+              <a:t>draw</a:t>
+            </a:r>
+            <a:endParaRPr lang="hu-HU" dirty="0"/>
           </a:p>
         </p:txBody>
       </p:sp>
@@ -8971,8 +8976,20 @@
           <a:lstStyle/>
           <a:p>
             <a:r>
-              <a:rPr lang="hu-HU" dirty="0"/>
-              <a:t>Készítette: Gróf Richárd</a:t>
+              <a:rPr lang="hu-HU" dirty="0" err="1"/>
+              <a:t>Made</a:t>
+            </a:r>
+            <a:r>
+              <a:rPr lang="hu-HU" dirty="0"/>
+              <a:t> </a:t>
+            </a:r>
+            <a:r>
+              <a:rPr lang="hu-HU" dirty="0" err="1"/>
+              <a:t>by</a:t>
+            </a:r>
+            <a:r>
+              <a:rPr lang="hu-HU" dirty="0"/>
+              <a:t>: Gróf Richárd</a:t>
             </a:r>
           </a:p>
           <a:p>
@@ -9032,9 +9049,18 @@
           <a:lstStyle/>
           <a:p>
             <a:r>
-              <a:rPr lang="hu-HU" dirty="0"/>
-              <a:t>Kód felépítése</a:t>
-            </a:r>
+              <a:rPr lang="hu-HU" dirty="0" err="1"/>
+              <a:t>Code</a:t>
+            </a:r>
+            <a:r>
+              <a:rPr lang="hu-HU" dirty="0"/>
+              <a:t> </a:t>
+            </a:r>
+            <a:r>
+              <a:rPr lang="hu-HU" dirty="0" err="1"/>
+              <a:t>structure</a:t>
+            </a:r>
+            <a:endParaRPr lang="hu-HU" dirty="0"/>
           </a:p>
         </p:txBody>
       </p:sp>
@@ -9060,22 +9086,123 @@
           <a:lstStyle/>
           <a:p>
             <a:r>
-              <a:rPr lang="hu-HU" dirty="0"/>
-              <a:t>Elősorban itt láthatók az összes</a:t>
+              <a:rPr lang="hu-HU" dirty="0" err="1"/>
+              <a:t>First</a:t>
+            </a:r>
+            <a:r>
+              <a:rPr lang="hu-HU" dirty="0"/>
+              <a:t> of </a:t>
+            </a:r>
+            <a:r>
+              <a:rPr lang="hu-HU" dirty="0" err="1"/>
+              <a:t>all</a:t>
+            </a:r>
+            <a:r>
+              <a:rPr lang="hu-HU" dirty="0"/>
+              <a:t> </a:t>
+            </a:r>
+            <a:r>
+              <a:rPr lang="hu-HU" dirty="0" err="1"/>
+              <a:t>you</a:t>
+            </a:r>
+            <a:r>
+              <a:rPr lang="hu-HU" dirty="0"/>
+              <a:t> </a:t>
+            </a:r>
+            <a:r>
+              <a:rPr lang="hu-HU" dirty="0" err="1"/>
+              <a:t>can</a:t>
+            </a:r>
+            <a:r>
+              <a:rPr lang="hu-HU" dirty="0"/>
+              <a:t> </a:t>
+            </a:r>
+            <a:r>
+              <a:rPr lang="hu-HU" dirty="0" err="1"/>
+              <a:t>see</a:t>
+            </a:r>
+            <a:r>
+              <a:rPr lang="hu-HU" dirty="0"/>
+              <a:t> </a:t>
+            </a:r>
+            <a:r>
+              <a:rPr lang="hu-HU" dirty="0" err="1"/>
+              <a:t>all</a:t>
+            </a:r>
+            <a:r>
+              <a:rPr lang="hu-HU" dirty="0"/>
+              <a:t> </a:t>
+            </a:r>
+            <a:r>
+              <a:rPr lang="hu-HU" dirty="0" err="1"/>
+              <a:t>the</a:t>
+            </a:r>
+            <a:r>
+              <a:rPr lang="hu-HU" dirty="0"/>
+              <a:t> </a:t>
+            </a:r>
+            <a:r>
+              <a:rPr lang="hu-HU" dirty="0" err="1"/>
+              <a:t>Variables</a:t>
+            </a:r>
+            <a:r>
+              <a:rPr lang="hu-HU" dirty="0"/>
+              <a:t>, </a:t>
             </a:r>
             <a:br>
               <a:rPr lang="hu-HU" dirty="0"/>
             </a:br>
             <a:r>
               <a:rPr lang="hu-HU" dirty="0"/>
-              <a:t>változók, és a használni kívánt</a:t>
-            </a:r>
-            <a:br>
-              <a:rPr lang="hu-HU" dirty="0"/>
-            </a:br>
-            <a:r>
-              <a:rPr lang="hu-HU" dirty="0"/>
-              <a:t>importok.</a:t>
+              <a:t>and </a:t>
+            </a:r>
+            <a:r>
+              <a:rPr lang="hu-HU" dirty="0" err="1"/>
+              <a:t>the</a:t>
+            </a:r>
+            <a:r>
+              <a:rPr lang="hu-HU" dirty="0"/>
+              <a:t> </a:t>
+            </a:r>
+            <a:r>
+              <a:rPr lang="hu-HU" dirty="0" err="1"/>
+              <a:t>imports</a:t>
+            </a:r>
+            <a:r>
+              <a:rPr lang="hu-HU" dirty="0"/>
+              <a:t>, </a:t>
+            </a:r>
+            <a:r>
+              <a:rPr lang="hu-HU" dirty="0" err="1"/>
+              <a:t>that</a:t>
+            </a:r>
+            <a:r>
+              <a:rPr lang="hu-HU" dirty="0"/>
+              <a:t> </a:t>
+            </a:r>
+            <a:r>
+              <a:rPr lang="hu-HU" dirty="0" err="1"/>
+              <a:t>we</a:t>
+            </a:r>
+            <a:r>
+              <a:rPr lang="hu-HU" dirty="0"/>
+              <a:t> </a:t>
+            </a:r>
+            <a:r>
+              <a:rPr lang="hu-HU" dirty="0" err="1"/>
+              <a:t>gonna</a:t>
+            </a:r>
+            <a:r>
+              <a:rPr lang="hu-HU" dirty="0"/>
+              <a:t> </a:t>
+            </a:r>
+            <a:r>
+              <a:rPr lang="hu-HU" dirty="0" err="1"/>
+              <a:t>use</a:t>
+            </a:r>
+            <a:r>
+              <a:rPr lang="hu-HU" dirty="0"/>
+              <a:t>.</a:t>
             </a:r>
           </a:p>
         </p:txBody>
@@ -9162,9 +9289,18 @@
           <a:lstStyle/>
           <a:p>
             <a:r>
-              <a:rPr lang="hu-HU" dirty="0"/>
-              <a:t>Kód felépítése</a:t>
-            </a:r>
+              <a:rPr lang="hu-HU" dirty="0" err="1"/>
+              <a:t>Code</a:t>
+            </a:r>
+            <a:r>
+              <a:rPr lang="hu-HU" dirty="0"/>
+              <a:t> </a:t>
+            </a:r>
+            <a:r>
+              <a:rPr lang="hu-HU" dirty="0" err="1"/>
+              <a:t>build</a:t>
+            </a:r>
+            <a:endParaRPr lang="hu-HU" dirty="0"/>
           </a:p>
         </p:txBody>
       </p:sp>
@@ -9191,14 +9327,74 @@
           <a:p>
             <a:r>
               <a:rPr lang="hu-HU" dirty="0"/>
-              <a:t>Itt a színfelismerő függvényt</a:t>
+              <a:t>In </a:t>
+            </a:r>
+            <a:r>
+              <a:rPr lang="hu-HU" dirty="0" err="1"/>
+              <a:t>this</a:t>
+            </a:r>
+            <a:r>
+              <a:rPr lang="hu-HU" dirty="0"/>
+              <a:t> </a:t>
+            </a:r>
+            <a:r>
+              <a:rPr lang="hu-HU" dirty="0" err="1"/>
+              <a:t>function</a:t>
+            </a:r>
+            <a:r>
+              <a:rPr lang="hu-HU" dirty="0"/>
+              <a:t> </a:t>
+            </a:r>
+            <a:r>
+              <a:rPr lang="hu-HU" dirty="0" err="1"/>
+              <a:t>you</a:t>
+            </a:r>
+            <a:r>
+              <a:rPr lang="hu-HU" dirty="0"/>
+              <a:t> </a:t>
+            </a:r>
+            <a:r>
+              <a:rPr lang="hu-HU" dirty="0" err="1"/>
+              <a:t>can</a:t>
+            </a:r>
+            <a:r>
+              <a:rPr lang="hu-HU" dirty="0"/>
+              <a:t> </a:t>
+            </a:r>
+            <a:r>
+              <a:rPr lang="hu-HU" dirty="0" err="1"/>
+              <a:t>see</a:t>
+            </a:r>
+            <a:r>
+              <a:rPr lang="hu-HU" dirty="0"/>
+              <a:t>,</a:t>
             </a:r>
             <a:br>
               <a:rPr lang="hu-HU" dirty="0"/>
             </a:br>
             <a:r>
-              <a:rPr lang="hu-HU" dirty="0"/>
-              <a:t>láthatjuk.</a:t>
+              <a:rPr lang="hu-HU" dirty="0" err="1"/>
+              <a:t>the</a:t>
+            </a:r>
+            <a:r>
+              <a:rPr lang="hu-HU" dirty="0"/>
+              <a:t> </a:t>
+            </a:r>
+            <a:r>
+              <a:rPr lang="hu-HU" dirty="0" err="1"/>
+              <a:t>color</a:t>
+            </a:r>
+            <a:r>
+              <a:rPr lang="hu-HU" dirty="0"/>
+              <a:t> </a:t>
+            </a:r>
+            <a:r>
+              <a:rPr lang="hu-HU" dirty="0" err="1"/>
+              <a:t>find</a:t>
+            </a:r>
+            <a:r>
+              <a:rPr lang="hu-HU" dirty="0"/>
+              <a:t>. </a:t>
             </a:r>
           </a:p>
         </p:txBody>
@@ -9285,9 +9481,18 @@
           <a:lstStyle/>
           <a:p>
             <a:r>
-              <a:rPr lang="hu-HU" dirty="0"/>
-              <a:t>Kód felépítése</a:t>
-            </a:r>
+              <a:rPr lang="hu-HU" dirty="0" err="1"/>
+              <a:t>Code</a:t>
+            </a:r>
+            <a:r>
+              <a:rPr lang="hu-HU" dirty="0"/>
+              <a:t> </a:t>
+            </a:r>
+            <a:r>
+              <a:rPr lang="hu-HU" dirty="0" err="1"/>
+              <a:t>build</a:t>
+            </a:r>
+            <a:endParaRPr lang="hu-HU" dirty="0"/>
           </a:p>
         </p:txBody>
       </p:sp>
@@ -9314,14 +9519,63 @@
           <a:p>
             <a:r>
               <a:rPr lang="hu-HU" dirty="0"/>
-              <a:t>Itt a kontúrok meghatározását</a:t>
-            </a:r>
-            <a:br>
-              <a:rPr lang="hu-HU" dirty="0"/>
-            </a:br>
-            <a:r>
-              <a:rPr lang="hu-HU" dirty="0"/>
-              <a:t>láthatjuk.</a:t>
+              <a:t>In </a:t>
+            </a:r>
+            <a:r>
+              <a:rPr lang="hu-HU" dirty="0" err="1"/>
+              <a:t>this</a:t>
+            </a:r>
+            <a:r>
+              <a:rPr lang="hu-HU" dirty="0"/>
+              <a:t> </a:t>
+            </a:r>
+            <a:r>
+              <a:rPr lang="hu-HU" dirty="0" err="1"/>
+              <a:t>function</a:t>
+            </a:r>
+            <a:r>
+              <a:rPr lang="hu-HU" dirty="0"/>
+              <a:t> </a:t>
+            </a:r>
+            <a:r>
+              <a:rPr lang="hu-HU" dirty="0" err="1"/>
+              <a:t>we</a:t>
+            </a:r>
+            <a:r>
+              <a:rPr lang="hu-HU" dirty="0"/>
+              <a:t> </a:t>
+            </a:r>
+            <a:r>
+              <a:rPr lang="hu-HU" dirty="0" err="1"/>
+              <a:t>can</a:t>
+            </a:r>
+            <a:r>
+              <a:rPr lang="hu-HU" dirty="0"/>
+              <a:t> </a:t>
+            </a:r>
+            <a:r>
+              <a:rPr lang="hu-HU" dirty="0" err="1"/>
+              <a:t>see</a:t>
+            </a:r>
+            <a:r>
+              <a:rPr lang="hu-HU" dirty="0"/>
+              <a:t> </a:t>
+            </a:r>
+            <a:r>
+              <a:rPr lang="hu-HU" dirty="0" err="1"/>
+              <a:t>the</a:t>
+            </a:r>
+            <a:r>
+              <a:rPr lang="hu-HU" dirty="0"/>
+              <a:t> </a:t>
+            </a:r>
+            <a:r>
+              <a:rPr lang="hu-HU" dirty="0" err="1"/>
+              <a:t>contours</a:t>
+            </a:r>
+            <a:r>
+              <a:rPr lang="hu-HU" dirty="0"/>
+              <a:t>.</a:t>
             </a:r>
           </a:p>
         </p:txBody>
@@ -9408,9 +9662,18 @@
           <a:lstStyle/>
           <a:p>
             <a:r>
-              <a:rPr lang="hu-HU" dirty="0"/>
-              <a:t>Kód felépítése</a:t>
-            </a:r>
+              <a:rPr lang="hu-HU" dirty="0" err="1"/>
+              <a:t>Code</a:t>
+            </a:r>
+            <a:r>
+              <a:rPr lang="hu-HU" dirty="0"/>
+              <a:t> </a:t>
+            </a:r>
+            <a:r>
+              <a:rPr lang="hu-HU" dirty="0" err="1"/>
+              <a:t>build</a:t>
+            </a:r>
+            <a:endParaRPr lang="hu-HU" dirty="0"/>
           </a:p>
         </p:txBody>
       </p:sp>
@@ -9437,7 +9700,71 @@
           <a:p>
             <a:r>
               <a:rPr lang="hu-HU" dirty="0"/>
-              <a:t>Itt a képernyőre való rajzolást láthatjuk.</a:t>
+              <a:t>In </a:t>
+            </a:r>
+            <a:r>
+              <a:rPr lang="hu-HU" dirty="0" err="1"/>
+              <a:t>thi</a:t>
+            </a:r>
+            <a:r>
+              <a:rPr lang="hu-HU" dirty="0"/>
+              <a:t> </a:t>
+            </a:r>
+            <a:r>
+              <a:rPr lang="hu-HU" dirty="0" err="1"/>
+              <a:t>function</a:t>
+            </a:r>
+            <a:r>
+              <a:rPr lang="hu-HU" dirty="0"/>
+              <a:t> </a:t>
+            </a:r>
+            <a:r>
+              <a:rPr lang="hu-HU" dirty="0" err="1"/>
+              <a:t>we</a:t>
+            </a:r>
+            <a:r>
+              <a:rPr lang="hu-HU" dirty="0"/>
+              <a:t> </a:t>
+            </a:r>
+            <a:r>
+              <a:rPr lang="hu-HU" dirty="0" err="1"/>
+              <a:t>can</a:t>
+            </a:r>
+            <a:r>
+              <a:rPr lang="hu-HU" dirty="0"/>
+              <a:t> </a:t>
+            </a:r>
+            <a:r>
+              <a:rPr lang="hu-HU" dirty="0" err="1"/>
+              <a:t>see</a:t>
+            </a:r>
+            <a:r>
+              <a:rPr lang="hu-HU" dirty="0"/>
+              <a:t> </a:t>
+            </a:r>
+            <a:r>
+              <a:rPr lang="hu-HU" dirty="0" err="1"/>
+              <a:t>the</a:t>
+            </a:r>
+            <a:r>
+              <a:rPr lang="hu-HU" dirty="0"/>
+              <a:t> </a:t>
+            </a:r>
+            <a:r>
+              <a:rPr lang="hu-HU" dirty="0" err="1"/>
+              <a:t>drawing</a:t>
+            </a:r>
+            <a:r>
+              <a:rPr lang="hu-HU" dirty="0"/>
+              <a:t> part of </a:t>
+            </a:r>
+            <a:r>
+              <a:rPr lang="hu-HU" dirty="0" err="1"/>
+              <a:t>the</a:t>
+            </a:r>
+            <a:r>
+              <a:rPr lang="hu-HU" dirty="0"/>
+              <a:t> project.</a:t>
             </a:r>
           </a:p>
         </p:txBody>
@@ -9524,9 +9851,18 @@
           <a:lstStyle/>
           <a:p>
             <a:r>
-              <a:rPr lang="hu-HU" dirty="0"/>
-              <a:t>Kód felépítése</a:t>
-            </a:r>
+              <a:rPr lang="hu-HU" dirty="0" err="1"/>
+              <a:t>Code</a:t>
+            </a:r>
+            <a:r>
+              <a:rPr lang="hu-HU" dirty="0"/>
+              <a:t> </a:t>
+            </a:r>
+            <a:r>
+              <a:rPr lang="hu-HU" dirty="0" err="1"/>
+              <a:t>build</a:t>
+            </a:r>
+            <a:endParaRPr lang="hu-HU" dirty="0"/>
           </a:p>
         </p:txBody>
       </p:sp>
@@ -9553,7 +9889,79 @@
           <a:p>
             <a:r>
               <a:rPr lang="hu-HU" dirty="0"/>
-              <a:t>Végül, de nem utolsó sorban a rajzolást mutatja be.</a:t>
+              <a:t>In </a:t>
+            </a:r>
+            <a:r>
+              <a:rPr lang="hu-HU" dirty="0" err="1"/>
+              <a:t>this</a:t>
+            </a:r>
+            <a:r>
+              <a:rPr lang="hu-HU" dirty="0"/>
+              <a:t> </a:t>
+            </a:r>
+            <a:r>
+              <a:rPr lang="hu-HU" dirty="0" err="1"/>
+              <a:t>function</a:t>
+            </a:r>
+            <a:r>
+              <a:rPr lang="hu-HU" dirty="0"/>
+              <a:t> </a:t>
+            </a:r>
+            <a:r>
+              <a:rPr lang="hu-HU" dirty="0" err="1"/>
+              <a:t>we</a:t>
+            </a:r>
+            <a:r>
+              <a:rPr lang="hu-HU" dirty="0"/>
+              <a:t> </a:t>
+            </a:r>
+            <a:r>
+              <a:rPr lang="hu-HU" dirty="0" err="1"/>
+              <a:t>can</a:t>
+            </a:r>
+            <a:r>
+              <a:rPr lang="hu-HU" dirty="0"/>
+              <a:t> </a:t>
+            </a:r>
+            <a:r>
+              <a:rPr lang="hu-HU" dirty="0" err="1"/>
+              <a:t>see</a:t>
+            </a:r>
+            <a:r>
+              <a:rPr lang="hu-HU" dirty="0"/>
+              <a:t> </a:t>
+            </a:r>
+            <a:r>
+              <a:rPr lang="hu-HU" dirty="0" err="1"/>
+              <a:t>the</a:t>
+            </a:r>
+            <a:r>
+              <a:rPr lang="hu-HU" dirty="0"/>
+              <a:t> </a:t>
+            </a:r>
+            <a:r>
+              <a:rPr lang="hu-HU" dirty="0" err="1"/>
+              <a:t>actual</a:t>
+            </a:r>
+            <a:r>
+              <a:rPr lang="hu-HU" dirty="0"/>
+              <a:t> </a:t>
+            </a:r>
+            <a:r>
+              <a:rPr lang="hu-HU" dirty="0" err="1"/>
+              <a:t>code</a:t>
+            </a:r>
+            <a:r>
+              <a:rPr lang="hu-HU" dirty="0"/>
+              <a:t> of </a:t>
+            </a:r>
+            <a:r>
+              <a:rPr lang="hu-HU" dirty="0" err="1"/>
+              <a:t>drawing</a:t>
+            </a:r>
+            <a:r>
+              <a:rPr lang="hu-HU" dirty="0"/>
+              <a:t>.</a:t>
             </a:r>
           </a:p>
         </p:txBody>
@@ -9640,9 +10048,18 @@
           <a:lstStyle/>
           <a:p>
             <a:r>
-              <a:rPr lang="hu-HU" dirty="0"/>
-              <a:t>Kód felépítése</a:t>
-            </a:r>
+              <a:rPr lang="hu-HU" dirty="0" err="1"/>
+              <a:t>Code</a:t>
+            </a:r>
+            <a:r>
+              <a:rPr lang="hu-HU" dirty="0"/>
+              <a:t> </a:t>
+            </a:r>
+            <a:r>
+              <a:rPr lang="hu-HU" dirty="0" err="1"/>
+              <a:t>build</a:t>
+            </a:r>
+            <a:endParaRPr lang="hu-HU" dirty="0"/>
           </a:p>
         </p:txBody>
       </p:sp>
@@ -9669,7 +10086,39 @@
           <a:p>
             <a:r>
               <a:rPr lang="hu-HU" dirty="0"/>
-              <a:t>Aztán megjelenítjük az egészet.</a:t>
+              <a:t>And </a:t>
+            </a:r>
+            <a:r>
+              <a:rPr lang="hu-HU" dirty="0" err="1"/>
+              <a:t>with</a:t>
+            </a:r>
+            <a:r>
+              <a:rPr lang="hu-HU" dirty="0"/>
+              <a:t> </a:t>
+            </a:r>
+            <a:r>
+              <a:rPr lang="hu-HU" dirty="0" err="1"/>
+              <a:t>that</a:t>
+            </a:r>
+            <a:r>
+              <a:rPr lang="hu-HU" dirty="0"/>
+              <a:t>, </a:t>
+            </a:r>
+            <a:r>
+              <a:rPr lang="hu-HU" dirty="0" err="1"/>
+              <a:t>we</a:t>
+            </a:r>
+            <a:r>
+              <a:rPr lang="hu-HU" dirty="0"/>
+              <a:t> show </a:t>
+            </a:r>
+            <a:r>
+              <a:rPr lang="hu-HU" dirty="0" err="1"/>
+              <a:t>the</a:t>
+            </a:r>
+            <a:r>
+              <a:rPr lang="hu-HU" dirty="0"/>
+              <a:t> lines.</a:t>
             </a:r>
           </a:p>
         </p:txBody>
@@ -9756,8 +10205,12 @@
           <a:lstStyle/>
           <a:p>
             <a:r>
-              <a:rPr lang="hu-HU" dirty="0"/>
-              <a:t> kód tesztelése</a:t>
+              <a:rPr lang="hu-HU" dirty="0" err="1"/>
+              <a:t>Code</a:t>
+            </a:r>
+            <a:r>
+              <a:rPr lang="hu-HU" dirty="0"/>
+              <a:t> test</a:t>
             </a:r>
           </a:p>
         </p:txBody>
@@ -9784,8 +10237,60 @@
           <a:lstStyle/>
           <a:p>
             <a:r>
-              <a:rPr lang="hu-HU" dirty="0"/>
-              <a:t>Teszteltük, egy bizonyos színű tárgyat odarakva rajzol a képernyőre, ez az állítás.</a:t>
+              <a:rPr lang="hu-HU" dirty="0" err="1"/>
+              <a:t>Now</a:t>
+            </a:r>
+            <a:r>
+              <a:rPr lang="hu-HU" dirty="0"/>
+              <a:t> </a:t>
+            </a:r>
+            <a:r>
+              <a:rPr lang="hu-HU" dirty="0" err="1"/>
+              <a:t>we</a:t>
+            </a:r>
+            <a:r>
+              <a:rPr lang="hu-HU" dirty="0"/>
+              <a:t> </a:t>
+            </a:r>
+            <a:r>
+              <a:rPr lang="hu-HU" dirty="0" err="1"/>
+              <a:t>can</a:t>
+            </a:r>
+            <a:r>
+              <a:rPr lang="hu-HU" dirty="0"/>
+              <a:t> test </a:t>
+            </a:r>
+            <a:r>
+              <a:rPr lang="hu-HU" dirty="0" err="1"/>
+              <a:t>it</a:t>
+            </a:r>
+            <a:r>
+              <a:rPr lang="hu-HU" dirty="0"/>
+              <a:t> </a:t>
+            </a:r>
+            <a:r>
+              <a:rPr lang="hu-HU" dirty="0" err="1"/>
+              <a:t>with</a:t>
+            </a:r>
+            <a:r>
+              <a:rPr lang="hu-HU" dirty="0"/>
+              <a:t> </a:t>
+            </a:r>
+            <a:r>
+              <a:rPr lang="hu-HU" dirty="0" err="1"/>
+              <a:t>some</a:t>
+            </a:r>
+            <a:r>
+              <a:rPr lang="hu-HU" dirty="0"/>
+              <a:t> </a:t>
+            </a:r>
+            <a:r>
+              <a:rPr lang="hu-HU" dirty="0" err="1"/>
+              <a:t>colors</a:t>
+            </a:r>
+            <a:r>
+              <a:rPr lang="hu-HU" dirty="0"/>
+              <a:t>.</a:t>
             </a:r>
           </a:p>
         </p:txBody>
@@ -9872,8 +10377,12 @@
           <a:lstStyle/>
           <a:p>
             <a:r>
-              <a:rPr lang="hu-HU" dirty="0"/>
-              <a:t>A program bemutatása</a:t>
+              <a:rPr lang="hu-HU" dirty="0" err="1"/>
+              <a:t>Code</a:t>
+            </a:r>
+            <a:r>
+              <a:rPr lang="hu-HU" dirty="0"/>
+              <a:t> show</a:t>
             </a:r>
           </a:p>
         </p:txBody>
@@ -9900,8 +10409,172 @@
           <a:lstStyle/>
           <a:p>
             <a:r>
-              <a:rPr lang="hu-HU" dirty="0"/>
-              <a:t>A programot elindítva a kamera megjelenik, ha egy bizonyos színű tárgyat odatartunk akkor tudunk vele az azonos színnel rajzolni..</a:t>
+              <a:rPr lang="hu-HU" dirty="0" err="1"/>
+              <a:t>When</a:t>
+            </a:r>
+            <a:r>
+              <a:rPr lang="hu-HU" dirty="0"/>
+              <a:t> </a:t>
+            </a:r>
+            <a:r>
+              <a:rPr lang="hu-HU" dirty="0" err="1"/>
+              <a:t>we</a:t>
+            </a:r>
+            <a:r>
+              <a:rPr lang="hu-HU" dirty="0"/>
+              <a:t> </a:t>
+            </a:r>
+            <a:r>
+              <a:rPr lang="hu-HU" dirty="0" err="1"/>
+              <a:t>are</a:t>
+            </a:r>
+            <a:r>
+              <a:rPr lang="hu-HU" dirty="0"/>
+              <a:t> </a:t>
+            </a:r>
+            <a:r>
+              <a:rPr lang="hu-HU" dirty="0" err="1"/>
+              <a:t>tarting</a:t>
+            </a:r>
+            <a:r>
+              <a:rPr lang="hu-HU" dirty="0"/>
+              <a:t> </a:t>
+            </a:r>
+            <a:r>
+              <a:rPr lang="hu-HU" dirty="0" err="1"/>
+              <a:t>the</a:t>
+            </a:r>
+            <a:r>
+              <a:rPr lang="hu-HU" dirty="0"/>
+              <a:t> project, </a:t>
+            </a:r>
+            <a:r>
+              <a:rPr lang="hu-HU" dirty="0" err="1"/>
+              <a:t>first</a:t>
+            </a:r>
+            <a:r>
+              <a:rPr lang="hu-HU" dirty="0"/>
+              <a:t> </a:t>
+            </a:r>
+            <a:r>
+              <a:rPr lang="hu-HU" dirty="0" err="1"/>
+              <a:t>we</a:t>
+            </a:r>
+            <a:r>
+              <a:rPr lang="hu-HU" dirty="0"/>
+              <a:t> </a:t>
+            </a:r>
+            <a:r>
+              <a:rPr lang="hu-HU" dirty="0" err="1"/>
+              <a:t>can</a:t>
+            </a:r>
+            <a:r>
+              <a:rPr lang="hu-HU" dirty="0"/>
+              <a:t> </a:t>
+            </a:r>
+            <a:r>
+              <a:rPr lang="hu-HU" dirty="0" err="1"/>
+              <a:t>see</a:t>
+            </a:r>
+            <a:r>
+              <a:rPr lang="hu-HU" dirty="0"/>
+              <a:t> </a:t>
+            </a:r>
+            <a:r>
+              <a:rPr lang="hu-HU" dirty="0" err="1"/>
+              <a:t>the</a:t>
+            </a:r>
+            <a:r>
+              <a:rPr lang="hu-HU" dirty="0"/>
+              <a:t> </a:t>
+            </a:r>
+            <a:r>
+              <a:rPr lang="hu-HU" dirty="0" err="1"/>
+              <a:t>webcamera’s</a:t>
+            </a:r>
+            <a:r>
+              <a:rPr lang="hu-HU" dirty="0"/>
+              <a:t> </a:t>
+            </a:r>
+            <a:r>
+              <a:rPr lang="hu-HU" dirty="0" err="1"/>
+              <a:t>pisture</a:t>
+            </a:r>
+            <a:r>
+              <a:rPr lang="hu-HU" dirty="0"/>
+              <a:t>, and </a:t>
+            </a:r>
+            <a:r>
+              <a:rPr lang="hu-HU" dirty="0" err="1"/>
+              <a:t>then</a:t>
+            </a:r>
+            <a:r>
+              <a:rPr lang="hu-HU" dirty="0"/>
+              <a:t> </a:t>
+            </a:r>
+            <a:r>
+              <a:rPr lang="hu-HU" dirty="0" err="1"/>
+              <a:t>we</a:t>
+            </a:r>
+            <a:r>
+              <a:rPr lang="hu-HU" dirty="0"/>
+              <a:t> </a:t>
+            </a:r>
+            <a:r>
+              <a:rPr lang="hu-HU" dirty="0" err="1"/>
+              <a:t>can</a:t>
+            </a:r>
+            <a:r>
+              <a:rPr lang="hu-HU" dirty="0"/>
+              <a:t> </a:t>
+            </a:r>
+            <a:r>
+              <a:rPr lang="hu-HU" dirty="0" err="1"/>
+              <a:t>draw</a:t>
+            </a:r>
+            <a:r>
+              <a:rPr lang="hu-HU" dirty="0"/>
+              <a:t> </a:t>
+            </a:r>
+            <a:r>
+              <a:rPr lang="hu-HU" dirty="0" err="1"/>
+              <a:t>with</a:t>
+            </a:r>
+            <a:r>
+              <a:rPr lang="hu-HU" dirty="0"/>
+              <a:t> </a:t>
+            </a:r>
+            <a:r>
+              <a:rPr lang="hu-HU" dirty="0" err="1"/>
+              <a:t>the</a:t>
+            </a:r>
+            <a:r>
+              <a:rPr lang="hu-HU" dirty="0"/>
+              <a:t> </a:t>
+            </a:r>
+            <a:r>
+              <a:rPr lang="hu-HU" dirty="0" err="1"/>
+              <a:t>colors</a:t>
+            </a:r>
+            <a:r>
+              <a:rPr lang="hu-HU" dirty="0"/>
+              <a:t> </a:t>
+            </a:r>
+            <a:r>
+              <a:rPr lang="hu-HU" dirty="0" err="1"/>
+              <a:t>on</a:t>
+            </a:r>
+            <a:r>
+              <a:rPr lang="hu-HU" dirty="0"/>
+              <a:t> </a:t>
+            </a:r>
+            <a:r>
+              <a:rPr lang="hu-HU" dirty="0" err="1"/>
+              <a:t>the</a:t>
+            </a:r>
+            <a:r>
+              <a:rPr lang="hu-HU" dirty="0"/>
+              <a:t> display.</a:t>
             </a:r>
           </a:p>
         </p:txBody>
@@ -9988,9 +10661,10 @@
           <a:lstStyle/>
           <a:p>
             <a:r>
-              <a:rPr lang="hu-HU" dirty="0"/>
-              <a:t>Vége</a:t>
-            </a:r>
+              <a:rPr lang="hu-HU" dirty="0" err="1"/>
+              <a:t>ANd</a:t>
+            </a:r>
+            <a:endParaRPr lang="hu-HU" dirty="0"/>
           </a:p>
         </p:txBody>
       </p:sp>
@@ -10016,8 +10690,40 @@
           <a:lstStyle/>
           <a:p>
             <a:r>
-              <a:rPr lang="hu-HU" dirty="0"/>
-              <a:t>Köszönjük a figyelmet!</a:t>
+              <a:rPr lang="hu-HU" dirty="0" err="1"/>
+              <a:t>Thank</a:t>
+            </a:r>
+            <a:r>
+              <a:rPr lang="hu-HU" dirty="0"/>
+              <a:t> </a:t>
+            </a:r>
+            <a:r>
+              <a:rPr lang="hu-HU" dirty="0" err="1"/>
+              <a:t>you</a:t>
+            </a:r>
+            <a:r>
+              <a:rPr lang="hu-HU" dirty="0"/>
+              <a:t> </a:t>
+            </a:r>
+            <a:r>
+              <a:rPr lang="hu-HU" dirty="0" err="1"/>
+              <a:t>for</a:t>
+            </a:r>
+            <a:r>
+              <a:rPr lang="hu-HU" dirty="0"/>
+              <a:t> </a:t>
+            </a:r>
+            <a:r>
+              <a:rPr lang="hu-HU" dirty="0" err="1"/>
+              <a:t>the</a:t>
+            </a:r>
+            <a:r>
+              <a:rPr lang="hu-HU" dirty="0"/>
+              <a:t> </a:t>
+            </a:r>
+            <a:r>
+              <a:rPr lang="hu-HU" dirty="0" err="1"/>
+              <a:t>listening</a:t>
             </a:r>
             <a:br>
               <a:rPr lang="hu-HU" dirty="0"/>
@@ -10041,8 +10747,20 @@
               <a:rPr lang="hu-HU" dirty="0"/>
             </a:br>
             <a:r>
-              <a:rPr lang="hu-HU" dirty="0"/>
-              <a:t>Készítette: Molnár Márk, </a:t>
+              <a:rPr lang="hu-HU" dirty="0" err="1"/>
+              <a:t>Made</a:t>
+            </a:r>
+            <a:r>
+              <a:rPr lang="hu-HU" dirty="0"/>
+              <a:t> </a:t>
+            </a:r>
+            <a:r>
+              <a:rPr lang="hu-HU" dirty="0" err="1"/>
+              <a:t>by</a:t>
+            </a:r>
+            <a:r>
+              <a:rPr lang="hu-HU" dirty="0"/>
+              <a:t>: Molnár Márk, </a:t>
             </a:r>
             <a:r>
               <a:rPr lang="hu-HU" dirty="0" err="1"/>
